--- a/Presentaties/tussentijdse-presentatie.pptx
+++ b/Presentaties/tussentijdse-presentatie.pptx
@@ -245,7 +245,7 @@
               <a:lstStyle/>
               <a:p>
                 <a:pPr>
-                  <a:defRPr sz="1197" b="0" i="0" u="none" strike="noStrike" kern="1200" baseline="0">
+                  <a:defRPr sz="2000" b="0" i="0" u="none" strike="noStrike" kern="1200" baseline="0">
                     <a:solidFill>
                       <a:schemeClr val="tx1">
                         <a:lumMod val="75000"/>
@@ -335,11 +335,11 @@
           <c:showBubbleSize val="0"/>
         </c:dLbls>
         <c:gapWidth val="219"/>
-        <c:axId val="-1796011936"/>
-        <c:axId val="-1796018464"/>
+        <c:axId val="1803466256"/>
+        <c:axId val="1803461904"/>
       </c:barChart>
       <c:catAx>
-        <c:axId val="-1796011936"/>
+        <c:axId val="1803466256"/>
         <c:scaling>
           <c:orientation val="minMax"/>
         </c:scaling>
@@ -382,7 +382,7 @@
             <a:endParaRPr lang="en-US"/>
           </a:p>
         </c:txPr>
-        <c:crossAx val="-1796018464"/>
+        <c:crossAx val="1803461904"/>
         <c:crosses val="autoZero"/>
         <c:auto val="1"/>
         <c:lblAlgn val="ctr"/>
@@ -390,7 +390,7 @@
         <c:noMultiLvlLbl val="0"/>
       </c:catAx>
       <c:valAx>
-        <c:axId val="-1796018464"/>
+        <c:axId val="1803461904"/>
         <c:scaling>
           <c:orientation val="minMax"/>
         </c:scaling>
@@ -417,7 +417,7 @@
               <a:lstStyle/>
               <a:p>
                 <a:pPr>
-                  <a:defRPr sz="1330" b="0" i="0" u="none" strike="noStrike" kern="1200" baseline="0">
+                  <a:defRPr sz="1600" b="0" i="0" u="none" strike="noStrike" kern="1200" baseline="0">
                     <a:solidFill>
                       <a:schemeClr val="tx1">
                         <a:lumMod val="65000"/>
@@ -430,10 +430,10 @@
                   </a:defRPr>
                 </a:pPr>
                 <a:r>
-                  <a:rPr lang="en-GB" dirty="0" smtClean="0"/>
+                  <a:rPr lang="en-GB" sz="1600" dirty="0" smtClean="0"/>
                   <a:t>Regels code</a:t>
                 </a:r>
-                <a:endParaRPr lang="en-GB" dirty="0"/>
+                <a:endParaRPr lang="en-GB" sz="1600" dirty="0"/>
               </a:p>
             </c:rich>
           </c:tx>
@@ -458,7 +458,7 @@
             <a:lstStyle/>
             <a:p>
               <a:pPr>
-                <a:defRPr sz="1330" b="0" i="0" u="none" strike="noStrike" kern="1200" baseline="0">
+                <a:defRPr sz="1600" b="0" i="0" u="none" strike="noStrike" kern="1200" baseline="0">
                   <a:solidFill>
                     <a:schemeClr val="tx1">
                       <a:lumMod val="65000"/>
@@ -505,7 +505,7 @@
             <a:endParaRPr lang="en-US"/>
           </a:p>
         </c:txPr>
-        <c:crossAx val="-1796011936"/>
+        <c:crossAx val="1803466256"/>
         <c:crosses val="autoZero"/>
         <c:crossBetween val="between"/>
       </c:valAx>
@@ -604,7 +604,7 @@
               <a:lstStyle/>
               <a:p>
                 <a:pPr>
-                  <a:defRPr sz="1197" b="0" i="0" u="none" strike="noStrike" kern="1200" baseline="0">
+                  <a:defRPr sz="2000" b="0" i="0" u="none" strike="noStrike" kern="1200" baseline="0">
                     <a:solidFill>
                       <a:schemeClr val="tx1">
                         <a:lumMod val="75000"/>
@@ -694,11 +694,11 @@
           <c:showBubbleSize val="0"/>
         </c:dLbls>
         <c:gapWidth val="219"/>
-        <c:axId val="-1796016288"/>
-        <c:axId val="-1796010848"/>
+        <c:axId val="1963362656"/>
+        <c:axId val="2011690720"/>
       </c:barChart>
       <c:catAx>
-        <c:axId val="-1796016288"/>
+        <c:axId val="1963362656"/>
         <c:scaling>
           <c:orientation val="minMax"/>
         </c:scaling>
@@ -741,7 +741,7 @@
             <a:endParaRPr lang="en-US"/>
           </a:p>
         </c:txPr>
-        <c:crossAx val="-1796010848"/>
+        <c:crossAx val="2011690720"/>
         <c:crosses val="autoZero"/>
         <c:auto val="1"/>
         <c:lblAlgn val="ctr"/>
@@ -749,7 +749,7 @@
         <c:noMultiLvlLbl val="0"/>
       </c:catAx>
       <c:valAx>
-        <c:axId val="-1796010848"/>
+        <c:axId val="2011690720"/>
         <c:scaling>
           <c:orientation val="minMax"/>
         </c:scaling>
@@ -776,7 +776,7 @@
               <a:lstStyle/>
               <a:p>
                 <a:pPr>
-                  <a:defRPr sz="1330" b="0" i="0" u="none" strike="noStrike" kern="1200" baseline="0">
+                  <a:defRPr sz="1600" b="0" i="0" u="none" strike="noStrike" kern="1200" baseline="0">
                     <a:solidFill>
                       <a:schemeClr val="tx1">
                         <a:lumMod val="65000"/>
@@ -789,10 +789,10 @@
                   </a:defRPr>
                 </a:pPr>
                 <a:r>
-                  <a:rPr lang="en-GB" dirty="0" smtClean="0"/>
+                  <a:rPr lang="en-GB" sz="1600" dirty="0" smtClean="0"/>
                   <a:t>Regels code</a:t>
                 </a:r>
-                <a:endParaRPr lang="en-GB" dirty="0"/>
+                <a:endParaRPr lang="en-GB" sz="1600" dirty="0"/>
               </a:p>
             </c:rich>
           </c:tx>
@@ -817,7 +817,7 @@
             <a:lstStyle/>
             <a:p>
               <a:pPr>
-                <a:defRPr sz="1330" b="0" i="0" u="none" strike="noStrike" kern="1200" baseline="0">
+                <a:defRPr sz="1600" b="0" i="0" u="none" strike="noStrike" kern="1200" baseline="0">
                   <a:solidFill>
                     <a:schemeClr val="tx1">
                       <a:lumMod val="65000"/>
@@ -864,7 +864,7 @@
             <a:endParaRPr lang="en-US"/>
           </a:p>
         </c:txPr>
-        <c:crossAx val="-1796016288"/>
+        <c:crossAx val="1963362656"/>
         <c:crosses val="autoZero"/>
         <c:crossBetween val="between"/>
       </c:valAx>
@@ -963,7 +963,7 @@
               <a:lstStyle/>
               <a:p>
                 <a:pPr>
-                  <a:defRPr sz="1197" b="0" i="0" u="none" strike="noStrike" kern="1200" baseline="0">
+                  <a:defRPr sz="2000" b="0" i="0" u="none" strike="noStrike" kern="1200" baseline="0">
                     <a:solidFill>
                       <a:schemeClr val="tx1">
                         <a:lumMod val="75000"/>
@@ -1053,11 +1053,11 @@
           <c:showBubbleSize val="0"/>
         </c:dLbls>
         <c:gapWidth val="219"/>
-        <c:axId val="-1796021728"/>
-        <c:axId val="-1796019552"/>
+        <c:axId val="2011695616"/>
+        <c:axId val="2011692352"/>
       </c:barChart>
       <c:catAx>
-        <c:axId val="-1796021728"/>
+        <c:axId val="2011695616"/>
         <c:scaling>
           <c:orientation val="minMax"/>
         </c:scaling>
@@ -1100,7 +1100,7 @@
             <a:endParaRPr lang="en-US"/>
           </a:p>
         </c:txPr>
-        <c:crossAx val="-1796019552"/>
+        <c:crossAx val="2011692352"/>
         <c:crosses val="autoZero"/>
         <c:auto val="1"/>
         <c:lblAlgn val="ctr"/>
@@ -1108,7 +1108,7 @@
         <c:noMultiLvlLbl val="0"/>
       </c:catAx>
       <c:valAx>
-        <c:axId val="-1796019552"/>
+        <c:axId val="2011692352"/>
         <c:scaling>
           <c:orientation val="minMax"/>
         </c:scaling>
@@ -1135,7 +1135,7 @@
               <a:lstStyle/>
               <a:p>
                 <a:pPr>
-                  <a:defRPr sz="1330" b="0" i="0" u="none" strike="noStrike" kern="1200" baseline="0">
+                  <a:defRPr sz="1600" b="0" i="0" u="none" strike="noStrike" kern="1200" baseline="0">
                     <a:solidFill>
                       <a:schemeClr val="tx1">
                         <a:lumMod val="65000"/>
@@ -1148,10 +1148,10 @@
                   </a:defRPr>
                 </a:pPr>
                 <a:r>
-                  <a:rPr lang="en-GB" dirty="0" smtClean="0"/>
+                  <a:rPr lang="en-GB" sz="1600" dirty="0" smtClean="0"/>
                   <a:t>Regels code</a:t>
                 </a:r>
-                <a:endParaRPr lang="en-GB" dirty="0"/>
+                <a:endParaRPr lang="en-GB" sz="1600" dirty="0"/>
               </a:p>
             </c:rich>
           </c:tx>
@@ -1176,7 +1176,7 @@
             <a:lstStyle/>
             <a:p>
               <a:pPr>
-                <a:defRPr sz="1330" b="0" i="0" u="none" strike="noStrike" kern="1200" baseline="0">
+                <a:defRPr sz="1600" b="0" i="0" u="none" strike="noStrike" kern="1200" baseline="0">
                   <a:solidFill>
                     <a:schemeClr val="tx1">
                       <a:lumMod val="65000"/>
@@ -1223,7 +1223,7 @@
             <a:endParaRPr lang="en-US"/>
           </a:p>
         </c:txPr>
-        <c:crossAx val="-1796021728"/>
+        <c:crossAx val="2011695616"/>
         <c:crosses val="autoZero"/>
         <c:crossBetween val="between"/>
       </c:valAx>
@@ -4176,6 +4176,13 @@
         </dgm:presLayoutVars>
       </dgm:prSet>
       <dgm:spPr/>
+      <dgm:t>
+        <a:bodyPr/>
+        <a:lstStyle/>
+        <a:p>
+          <a:endParaRPr lang="en-GB"/>
+        </a:p>
+      </dgm:t>
     </dgm:pt>
     <dgm:pt modelId="{04FD242D-A3B3-45B3-899D-5CAD2439028C}" type="pres">
       <dgm:prSet presAssocID="{651DB7B0-36CA-47E5-9BFD-AF7902FC6F1E}" presName="composite" presStyleCnt="0"/>
@@ -4189,6 +4196,13 @@
         </dgm:presLayoutVars>
       </dgm:prSet>
       <dgm:spPr/>
+      <dgm:t>
+        <a:bodyPr/>
+        <a:lstStyle/>
+        <a:p>
+          <a:endParaRPr lang="en-GB"/>
+        </a:p>
+      </dgm:t>
     </dgm:pt>
     <dgm:pt modelId="{0B39E74A-A583-4D6E-8839-63FB86A4364B}" type="pres">
       <dgm:prSet presAssocID="{651DB7B0-36CA-47E5-9BFD-AF7902FC6F1E}" presName="descendantText" presStyleLbl="alignAcc1" presStyleIdx="0" presStyleCnt="3">
@@ -4260,6 +4274,13 @@
         </dgm:presLayoutVars>
       </dgm:prSet>
       <dgm:spPr/>
+      <dgm:t>
+        <a:bodyPr/>
+        <a:lstStyle/>
+        <a:p>
+          <a:endParaRPr lang="en-GB"/>
+        </a:p>
+      </dgm:t>
     </dgm:pt>
     <dgm:pt modelId="{DDDE511E-44A8-41B8-BC4B-12D2BC79FE81}" type="pres">
       <dgm:prSet presAssocID="{DFDEE3FE-B7C9-4FFC-8D85-FBB6A4637714}" presName="descendantText" presStyleLbl="alignAcc1" presStyleIdx="2" presStyleCnt="3" custLinFactNeighborX="376" custLinFactNeighborY="23203">
@@ -6379,7 +6400,7 @@
                 <a:cs typeface="Arial" pitchFamily="34" charset="0"/>
               </a:rPr>
               <a:pPr/>
-              <a:t>17/12/2013</a:t>
+              <a:t>18/12/2013</a:t>
             </a:fld>
             <a:endParaRPr lang="nl-BE" sz="1000">
               <a:latin typeface="Arial" pitchFamily="34" charset="0"/>
@@ -6558,7 +6579,7 @@
             <a:fld id="{7AF0A2F9-EF49-41B3-9E69-7CDBDC14786A}" type="datetimeFigureOut">
               <a:rPr lang="nl-BE" smtClean="0"/>
               <a:pPr/>
-              <a:t>17/12/2013</a:t>
+              <a:t>18/12/2013</a:t>
             </a:fld>
             <a:endParaRPr lang="nl-BE"/>
           </a:p>
@@ -7078,7 +7099,34 @@
             </a:r>
             <a:r>
               <a:rPr lang="nl-BE" baseline="0" dirty="0" smtClean="0"/>
-              <a:t> bestanden maar via shell configuratie</a:t>
+              <a:t> bestanden maar via shell </a:t>
+            </a:r>
+            <a:r>
+              <a:rPr lang="nl-BE" baseline="0" dirty="0" smtClean="0"/>
+              <a:t>configuratie</a:t>
+            </a:r>
+          </a:p>
+          <a:p>
+            <a:endParaRPr lang="nl-BE" baseline="0" dirty="0" smtClean="0"/>
+          </a:p>
+          <a:p>
+            <a:r>
+              <a:rPr lang="nl-BE" baseline="0" dirty="0" smtClean="0"/>
+              <a:t>IMP: </a:t>
+            </a:r>
+            <a:r>
+              <a:rPr lang="nl-BE" baseline="0" dirty="0" err="1" smtClean="0"/>
+              <a:t>Slave</a:t>
+            </a:r>
+            <a:r>
+              <a:rPr lang="nl-BE" baseline="0" dirty="0" smtClean="0"/>
+              <a:t>: 11</a:t>
+            </a:r>
+          </a:p>
+          <a:p>
+            <a:r>
+              <a:rPr lang="nl-BE" baseline="0" dirty="0" smtClean="0"/>
+              <a:t>IMP: Master:  47 (84)</a:t>
             </a:r>
             <a:endParaRPr lang="en-GB" dirty="0"/>
           </a:p>
@@ -7831,7 +7879,7 @@
             <a:fld id="{C4DDCD72-59EE-436D-B435-201699A5BB49}" type="datetimeFigureOut">
               <a:rPr lang="nl-BE" smtClean="0"/>
               <a:pPr/>
-              <a:t>17/12/2013</a:t>
+              <a:t>18/12/2013</a:t>
             </a:fld>
             <a:endParaRPr lang="nl-BE" dirty="0"/>
           </a:p>
@@ -8610,7 +8658,7 @@
             <a:fld id="{C4DDCD72-59EE-436D-B435-201699A5BB49}" type="datetimeFigureOut">
               <a:rPr lang="nl-BE" smtClean="0"/>
               <a:pPr/>
-              <a:t>17/12/2013</a:t>
+              <a:t>18/12/2013</a:t>
             </a:fld>
             <a:endParaRPr lang="nl-BE"/>
           </a:p>
@@ -9060,7 +9108,7 @@
             <a:fld id="{C4DDCD72-59EE-436D-B435-201699A5BB49}" type="datetimeFigureOut">
               <a:rPr lang="nl-BE" smtClean="0"/>
               <a:pPr/>
-              <a:t>17/12/2013</a:t>
+              <a:t>18/12/2013</a:t>
             </a:fld>
             <a:endParaRPr lang="nl-BE"/>
           </a:p>
@@ -9191,7 +9239,7 @@
             <a:fld id="{C4DDCD72-59EE-436D-B435-201699A5BB49}" type="datetimeFigureOut">
               <a:rPr lang="nl-BE" smtClean="0"/>
               <a:pPr/>
-              <a:t>17/12/2013</a:t>
+              <a:t>18/12/2013</a:t>
             </a:fld>
             <a:endParaRPr lang="nl-BE"/>
           </a:p>
@@ -9295,7 +9343,7 @@
             <a:fld id="{C4DDCD72-59EE-436D-B435-201699A5BB49}" type="datetimeFigureOut">
               <a:rPr lang="nl-BE" smtClean="0"/>
               <a:pPr/>
-              <a:t>17/12/2013</a:t>
+              <a:t>18/12/2013</a:t>
             </a:fld>
             <a:endParaRPr lang="nl-BE"/>
           </a:p>
@@ -9588,7 +9636,7 @@
             <a:fld id="{C4DDCD72-59EE-436D-B435-201699A5BB49}" type="datetimeFigureOut">
               <a:rPr lang="nl-BE" smtClean="0"/>
               <a:pPr/>
-              <a:t>17/12/2013</a:t>
+              <a:t>18/12/2013</a:t>
             </a:fld>
             <a:endParaRPr lang="nl-BE"/>
           </a:p>
@@ -9861,7 +9909,7 @@
             <a:fld id="{C4DDCD72-59EE-436D-B435-201699A5BB49}" type="datetimeFigureOut">
               <a:rPr lang="nl-BE" smtClean="0"/>
               <a:pPr/>
-              <a:t>17/12/2013</a:t>
+              <a:t>18/12/2013</a:t>
             </a:fld>
             <a:endParaRPr lang="nl-BE" dirty="0"/>
           </a:p>
@@ -10104,7 +10152,7 @@
             <a:fld id="{C4DDCD72-59EE-436D-B435-201699A5BB49}" type="datetimeFigureOut">
               <a:rPr lang="nl-BE" smtClean="0"/>
               <a:pPr/>
-              <a:t>17/12/2013</a:t>
+              <a:t>18/12/2013</a:t>
             </a:fld>
             <a:endParaRPr lang="nl-BE" dirty="0"/>
           </a:p>
@@ -10687,8 +10735,15 @@
           <a:p>
             <a:r>
               <a:rPr lang="nl-BE" dirty="0" smtClean="0"/>
-              <a:t>Door: Thomas Uyttendaele</a:t>
-            </a:r>
+              <a:t>Door: Thomas </a:t>
+            </a:r>
+            <a:r>
+              <a:rPr lang="nl-BE" dirty="0" smtClean="0"/>
+              <a:t>Uyttendaele</a:t>
+            </a:r>
+          </a:p>
+          <a:p>
+            <a:endParaRPr lang="nl-BE" dirty="0" smtClean="0"/>
           </a:p>
           <a:p>
             <a:r>
@@ -10922,7 +10977,7 @@
             <p:ph sz="half" idx="1"/>
             <p:extLst>
               <p:ext uri="{D42A27DB-BD31-4B8C-83A1-F6EECF244321}">
-                <p14:modId xmlns:p14="http://schemas.microsoft.com/office/powerpoint/2010/main" val="2581470134"/>
+                <p14:modId xmlns:p14="http://schemas.microsoft.com/office/powerpoint/2010/main" val="162051414"/>
               </p:ext>
             </p:extLst>
           </p:nvPr>
@@ -11104,7 +11159,7 @@
             <p:ph sz="half" idx="1"/>
             <p:extLst>
               <p:ext uri="{D42A27DB-BD31-4B8C-83A1-F6EECF244321}">
-                <p14:modId xmlns:p14="http://schemas.microsoft.com/office/powerpoint/2010/main" val="1899285471"/>
+                <p14:modId xmlns:p14="http://schemas.microsoft.com/office/powerpoint/2010/main" val="2030468120"/>
               </p:ext>
             </p:extLst>
           </p:nvPr>
@@ -11293,7 +11348,7 @@
             <p:ph sz="half" idx="1"/>
             <p:extLst>
               <p:ext uri="{D42A27DB-BD31-4B8C-83A1-F6EECF244321}">
-                <p14:modId xmlns:p14="http://schemas.microsoft.com/office/powerpoint/2010/main" val="3044617259"/>
+                <p14:modId xmlns:p14="http://schemas.microsoft.com/office/powerpoint/2010/main" val="282714487"/>
               </p:ext>
             </p:extLst>
           </p:nvPr>
@@ -11811,6 +11866,22 @@
           <a:p>
             <a:pPr lvl="1"/>
             <a:r>
+              <a:rPr lang="en-US" dirty="0" err="1" smtClean="0"/>
+              <a:t>Geen</a:t>
+            </a:r>
+            <a:r>
+              <a:rPr lang="en-US" dirty="0" smtClean="0"/>
+              <a:t> service </a:t>
+            </a:r>
+            <a:r>
+              <a:rPr lang="en-US" dirty="0" err="1" smtClean="0"/>
+              <a:t>init</a:t>
+            </a:r>
+            <a:endParaRPr lang="en-US" dirty="0" smtClean="0"/>
+          </a:p>
+          <a:p>
+            <a:pPr lvl="1"/>
+            <a:r>
               <a:rPr lang="en-US" dirty="0" smtClean="0"/>
               <a:t>…</a:t>
             </a:r>
@@ -12320,16 +12391,11 @@
               <a:rPr lang="nl-BE" dirty="0" smtClean="0"/>
               <a:t>Probleem- en doelstelling</a:t>
             </a:r>
-            <a:endParaRPr lang="nl-BE" dirty="0" smtClean="0"/>
           </a:p>
           <a:p>
             <a:r>
               <a:rPr lang="nl-BE" dirty="0" smtClean="0"/>
-              <a:t>Huidige </a:t>
-            </a:r>
-            <a:r>
-              <a:rPr lang="nl-BE" dirty="0" smtClean="0"/>
-              <a:t>status</a:t>
+              <a:t>Huidige status</a:t>
             </a:r>
           </a:p>
           <a:p>
@@ -12349,7 +12415,6 @@
               <a:rPr lang="nl-BE" dirty="0" smtClean="0"/>
               <a:t>Conclusie</a:t>
             </a:r>
-            <a:endParaRPr lang="nl-BE" dirty="0" smtClean="0"/>
           </a:p>
           <a:p>
             <a:endParaRPr lang="nl-BE" dirty="0" smtClean="0"/>
@@ -12984,13 +13049,8 @@
           <a:p>
             <a:r>
               <a:rPr lang="nl-BE" dirty="0" smtClean="0"/>
-              <a:t>Informatie opzoeken </a:t>
-            </a:r>
-            <a:r>
-              <a:rPr lang="nl-BE" dirty="0" smtClean="0"/>
-              <a:t>verschillende systemen</a:t>
-            </a:r>
-            <a:endParaRPr lang="nl-BE" dirty="0" smtClean="0"/>
+              <a:t>Informatie opzoeken verschillende systemen</a:t>
+            </a:r>
           </a:p>
           <a:p>
             <a:r>
@@ -13001,20 +13061,14 @@
           <a:p>
             <a:r>
               <a:rPr lang="nl-BE" dirty="0" smtClean="0"/>
-              <a:t>Machines </a:t>
-            </a:r>
-            <a:r>
-              <a:rPr lang="nl-BE" dirty="0" smtClean="0"/>
-              <a:t>fysiek opstellen</a:t>
-            </a:r>
-            <a:endParaRPr lang="nl-BE" dirty="0" smtClean="0"/>
+              <a:t>Machines fysiek opstellen</a:t>
+            </a:r>
           </a:p>
           <a:p>
             <a:r>
               <a:rPr lang="nl-BE" dirty="0" smtClean="0"/>
               <a:t>Software installeren en set-up configureren</a:t>
             </a:r>
-            <a:endParaRPr lang="nl-BE" dirty="0" smtClean="0"/>
           </a:p>
           <a:p>
             <a:r>
@@ -13028,11 +13082,7 @@
           <a:p>
             <a:r>
               <a:rPr lang="nl-BE" dirty="0" smtClean="0"/>
-              <a:t>Aanpassingen </a:t>
-            </a:r>
-            <a:r>
-              <a:rPr lang="nl-BE" dirty="0" smtClean="0"/>
-              <a:t>vragen kennis van de installatie van de systemen</a:t>
+              <a:t>Aanpassingen vragen kennis van de installatie van de systemen</a:t>
             </a:r>
           </a:p>
         </p:txBody>
@@ -13123,7 +13173,6 @@
               <a:rPr lang="nl-BE" dirty="0" smtClean="0"/>
               <a:t>Vereenvoudiging</a:t>
             </a:r>
-            <a:endParaRPr lang="nl-BE" dirty="0" smtClean="0"/>
           </a:p>
           <a:p>
             <a:pPr lvl="1"/>
@@ -13151,11 +13200,7 @@
             <a:pPr lvl="1"/>
             <a:r>
               <a:rPr lang="nl-BE" dirty="0" smtClean="0"/>
-              <a:t>Set-up uitschrijven in </a:t>
-            </a:r>
-            <a:r>
-              <a:rPr lang="nl-BE" dirty="0" smtClean="0"/>
-              <a:t>IMP</a:t>
+              <a:t>Set-up uitschrijven in IMP</a:t>
             </a:r>
           </a:p>
           <a:p>
@@ -13164,7 +13209,6 @@
               <a:rPr lang="nl-BE" dirty="0" smtClean="0"/>
               <a:t>Machines fysiek opstellen</a:t>
             </a:r>
-            <a:endParaRPr lang="nl-BE" dirty="0" smtClean="0"/>
           </a:p>
           <a:p>
             <a:pPr lvl="1"/>
@@ -13176,11 +13220,7 @@
           <a:p>
             <a:r>
               <a:rPr lang="nl-BE" dirty="0" smtClean="0"/>
-              <a:t>Geen expliciete kennis nodig van </a:t>
-            </a:r>
-            <a:r>
-              <a:rPr lang="nl-BE" dirty="0" smtClean="0"/>
-              <a:t>installatie</a:t>
+              <a:t>Geen expliciete kennis nodig van installatie</a:t>
             </a:r>
           </a:p>
           <a:p>
@@ -13686,7 +13726,6 @@
               <a:rPr lang="nl-BE" dirty="0" smtClean="0"/>
               <a:t>Wat zijn de implicaties en verschillen?</a:t>
             </a:r>
-            <a:endParaRPr lang="nl-BE" dirty="0" smtClean="0"/>
           </a:p>
           <a:p>
             <a:r>
@@ -13700,16 +13739,11 @@
               <a:rPr lang="nl-BE" dirty="0" smtClean="0"/>
               <a:t>Mogelijkheid tot verificatie</a:t>
             </a:r>
-            <a:endParaRPr lang="nl-BE" dirty="0" smtClean="0"/>
           </a:p>
           <a:p>
             <a:r>
               <a:rPr lang="nl-BE" dirty="0" smtClean="0"/>
-              <a:t>Nog </a:t>
-            </a:r>
-            <a:r>
-              <a:rPr lang="nl-BE" dirty="0" smtClean="0"/>
-              <a:t>geen gerelateerde studie</a:t>
+              <a:t>Nog geen gerelateerde studie</a:t>
             </a:r>
           </a:p>
           <a:p>

--- a/Presentaties/tussentijdse-presentatie.pptx
+++ b/Presentaties/tussentijdse-presentatie.pptx
@@ -335,11 +335,11 @@
           <c:showBubbleSize val="0"/>
         </c:dLbls>
         <c:gapWidth val="219"/>
-        <c:axId val="1803466256"/>
-        <c:axId val="1803461904"/>
+        <c:axId val="-1157247008"/>
+        <c:axId val="-1157250816"/>
       </c:barChart>
       <c:catAx>
-        <c:axId val="1803466256"/>
+        <c:axId val="-1157247008"/>
         <c:scaling>
           <c:orientation val="minMax"/>
         </c:scaling>
@@ -382,7 +382,7 @@
             <a:endParaRPr lang="en-US"/>
           </a:p>
         </c:txPr>
-        <c:crossAx val="1803461904"/>
+        <c:crossAx val="-1157250816"/>
         <c:crosses val="autoZero"/>
         <c:auto val="1"/>
         <c:lblAlgn val="ctr"/>
@@ -390,7 +390,7 @@
         <c:noMultiLvlLbl val="0"/>
       </c:catAx>
       <c:valAx>
-        <c:axId val="1803461904"/>
+        <c:axId val="-1157250816"/>
         <c:scaling>
           <c:orientation val="minMax"/>
         </c:scaling>
@@ -505,7 +505,7 @@
             <a:endParaRPr lang="en-US"/>
           </a:p>
         </c:txPr>
-        <c:crossAx val="1803466256"/>
+        <c:crossAx val="-1157247008"/>
         <c:crosses val="autoZero"/>
         <c:crossBetween val="between"/>
       </c:valAx>
@@ -694,11 +694,11 @@
           <c:showBubbleSize val="0"/>
         </c:dLbls>
         <c:gapWidth val="219"/>
-        <c:axId val="1963362656"/>
-        <c:axId val="2011690720"/>
+        <c:axId val="-1312987920"/>
+        <c:axId val="-1312985200"/>
       </c:barChart>
       <c:catAx>
-        <c:axId val="1963362656"/>
+        <c:axId val="-1312987920"/>
         <c:scaling>
           <c:orientation val="minMax"/>
         </c:scaling>
@@ -741,7 +741,7 @@
             <a:endParaRPr lang="en-US"/>
           </a:p>
         </c:txPr>
-        <c:crossAx val="2011690720"/>
+        <c:crossAx val="-1312985200"/>
         <c:crosses val="autoZero"/>
         <c:auto val="1"/>
         <c:lblAlgn val="ctr"/>
@@ -749,7 +749,7 @@
         <c:noMultiLvlLbl val="0"/>
       </c:catAx>
       <c:valAx>
-        <c:axId val="2011690720"/>
+        <c:axId val="-1312985200"/>
         <c:scaling>
           <c:orientation val="minMax"/>
         </c:scaling>
@@ -864,7 +864,7 @@
             <a:endParaRPr lang="en-US"/>
           </a:p>
         </c:txPr>
-        <c:crossAx val="1963362656"/>
+        <c:crossAx val="-1312987920"/>
         <c:crosses val="autoZero"/>
         <c:crossBetween val="between"/>
       </c:valAx>
@@ -1053,11 +1053,11 @@
           <c:showBubbleSize val="0"/>
         </c:dLbls>
         <c:gapWidth val="219"/>
-        <c:axId val="2011695616"/>
-        <c:axId val="2011692352"/>
+        <c:axId val="-1157241024"/>
+        <c:axId val="-1157241568"/>
       </c:barChart>
       <c:catAx>
-        <c:axId val="2011695616"/>
+        <c:axId val="-1157241024"/>
         <c:scaling>
           <c:orientation val="minMax"/>
         </c:scaling>
@@ -1100,7 +1100,7 @@
             <a:endParaRPr lang="en-US"/>
           </a:p>
         </c:txPr>
-        <c:crossAx val="2011692352"/>
+        <c:crossAx val="-1157241568"/>
         <c:crosses val="autoZero"/>
         <c:auto val="1"/>
         <c:lblAlgn val="ctr"/>
@@ -1108,7 +1108,7 @@
         <c:noMultiLvlLbl val="0"/>
       </c:catAx>
       <c:valAx>
-        <c:axId val="2011692352"/>
+        <c:axId val="-1157241568"/>
         <c:scaling>
           <c:orientation val="minMax"/>
         </c:scaling>
@@ -1223,7 +1223,7 @@
             <a:endParaRPr lang="en-US"/>
           </a:p>
         </c:txPr>
-        <c:crossAx val="2011695616"/>
+        <c:crossAx val="-1157241024"/>
         <c:crosses val="autoZero"/>
         <c:crossBetween val="between"/>
       </c:valAx>
@@ -4352,671 +4352,6 @@
       <dsp:cNvGrpSpPr/>
     </dsp:nvGrpSpPr>
     <dsp:grpSpPr/>
-    <dsp:sp modelId="{B0BC473F-52C8-43E6-A697-E2F5F4EF51EA}">
-      <dsp:nvSpPr>
-        <dsp:cNvPr id="0" name=""/>
-        <dsp:cNvSpPr/>
-      </dsp:nvSpPr>
-      <dsp:spPr>
-        <a:xfrm rot="5400000">
-          <a:off x="-223835" y="226034"/>
-          <a:ext cx="1492234" cy="1044564"/>
-        </a:xfrm>
-        <a:prstGeom prst="chevron">
-          <a:avLst/>
-        </a:prstGeom>
-        <a:solidFill>
-          <a:schemeClr val="accent1">
-            <a:hueOff val="0"/>
-            <a:satOff val="0"/>
-            <a:lumOff val="0"/>
-            <a:alphaOff val="0"/>
-          </a:schemeClr>
-        </a:solidFill>
-        <a:ln w="25400" cap="flat" cmpd="sng" algn="ctr">
-          <a:solidFill>
-            <a:schemeClr val="accent1">
-              <a:hueOff val="0"/>
-              <a:satOff val="0"/>
-              <a:lumOff val="0"/>
-              <a:alphaOff val="0"/>
-            </a:schemeClr>
-          </a:solidFill>
-          <a:prstDash val="solid"/>
-        </a:ln>
-        <a:effectLst/>
-      </dsp:spPr>
-      <dsp:style>
-        <a:lnRef idx="2">
-          <a:scrgbClr r="0" g="0" b="0"/>
-        </a:lnRef>
-        <a:fillRef idx="1">
-          <a:scrgbClr r="0" g="0" b="0"/>
-        </a:fillRef>
-        <a:effectRef idx="0">
-          <a:scrgbClr r="0" g="0" b="0"/>
-        </a:effectRef>
-        <a:fontRef idx="minor">
-          <a:schemeClr val="lt1"/>
-        </a:fontRef>
-      </dsp:style>
-      <dsp:txBody>
-        <a:bodyPr spcFirstLastPara="0" vert="horz" wrap="square" lIns="16510" tIns="16510" rIns="16510" bIns="16510" numCol="1" spcCol="1270" anchor="ctr" anchorCtr="0">
-          <a:noAutofit/>
-        </a:bodyPr>
-        <a:lstStyle/>
-        <a:p>
-          <a:pPr lvl="0" algn="ctr" defTabSz="1155700">
-            <a:lnSpc>
-              <a:spcPct val="90000"/>
-            </a:lnSpc>
-            <a:spcBef>
-              <a:spcPct val="0"/>
-            </a:spcBef>
-            <a:spcAft>
-              <a:spcPct val="35000"/>
-            </a:spcAft>
-          </a:pPr>
-          <a:r>
-            <a:rPr lang="en-US" sz="2600" kern="1200" dirty="0" err="1" smtClean="0"/>
-            <a:t>Fase</a:t>
-          </a:r>
-          <a:r>
-            <a:rPr lang="en-US" sz="2600" kern="1200" dirty="0" smtClean="0"/>
-            <a:t> 1</a:t>
-          </a:r>
-          <a:endParaRPr lang="en-GB" sz="2600" kern="1200" dirty="0"/>
-        </a:p>
-      </dsp:txBody>
-      <dsp:txXfrm rot="-5400000">
-        <a:off x="0" y="524481"/>
-        <a:ext cx="1044564" cy="447670"/>
-      </dsp:txXfrm>
-    </dsp:sp>
-    <dsp:sp modelId="{0B39E74A-A583-4D6E-8839-63FB86A4364B}">
-      <dsp:nvSpPr>
-        <dsp:cNvPr id="0" name=""/>
-        <dsp:cNvSpPr/>
-      </dsp:nvSpPr>
-      <dsp:spPr>
-        <a:xfrm rot="5400000">
-          <a:off x="4204493" y="-3157729"/>
-          <a:ext cx="969952" cy="7289810"/>
-        </a:xfrm>
-        <a:prstGeom prst="round2SameRect">
-          <a:avLst/>
-        </a:prstGeom>
-        <a:solidFill>
-          <a:schemeClr val="lt1">
-            <a:alpha val="90000"/>
-            <a:hueOff val="0"/>
-            <a:satOff val="0"/>
-            <a:lumOff val="0"/>
-            <a:alphaOff val="0"/>
-          </a:schemeClr>
-        </a:solidFill>
-        <a:ln w="25400" cap="flat" cmpd="sng" algn="ctr">
-          <a:solidFill>
-            <a:schemeClr val="accent1">
-              <a:hueOff val="0"/>
-              <a:satOff val="0"/>
-              <a:lumOff val="0"/>
-              <a:alphaOff val="0"/>
-            </a:schemeClr>
-          </a:solidFill>
-          <a:prstDash val="solid"/>
-        </a:ln>
-        <a:effectLst/>
-      </dsp:spPr>
-      <dsp:style>
-        <a:lnRef idx="2">
-          <a:scrgbClr r="0" g="0" b="0"/>
-        </a:lnRef>
-        <a:fillRef idx="1">
-          <a:scrgbClr r="0" g="0" b="0"/>
-        </a:fillRef>
-        <a:effectRef idx="0">
-          <a:scrgbClr r="0" g="0" b="0"/>
-        </a:effectRef>
-        <a:fontRef idx="minor"/>
-      </dsp:style>
-      <dsp:txBody>
-        <a:bodyPr spcFirstLastPara="0" vert="horz" wrap="square" lIns="156464" tIns="13970" rIns="13970" bIns="13970" numCol="1" spcCol="1270" anchor="ctr" anchorCtr="0">
-          <a:noAutofit/>
-        </a:bodyPr>
-        <a:lstStyle/>
-        <a:p>
-          <a:pPr marL="228600" lvl="1" indent="-228600" algn="l" defTabSz="977900">
-            <a:lnSpc>
-              <a:spcPct val="90000"/>
-            </a:lnSpc>
-            <a:spcBef>
-              <a:spcPct val="0"/>
-            </a:spcBef>
-            <a:spcAft>
-              <a:spcPct val="15000"/>
-            </a:spcAft>
-            <a:buChar char="••"/>
-          </a:pPr>
-          <a:r>
-            <a:rPr lang="en-US" sz="2200" kern="1200" dirty="0" smtClean="0"/>
-            <a:t>23/12 – 5/1: </a:t>
-          </a:r>
-          <a:r>
-            <a:rPr lang="en-US" sz="2200" kern="1200" dirty="0" err="1" smtClean="0"/>
-            <a:t>Finaliseren</a:t>
-          </a:r>
-          <a:r>
-            <a:rPr lang="en-US" sz="2200" kern="1200" dirty="0" smtClean="0"/>
-            <a:t> databases</a:t>
-          </a:r>
-          <a:endParaRPr lang="en-GB" sz="2200" kern="1200" dirty="0"/>
-        </a:p>
-        <a:p>
-          <a:pPr marL="228600" lvl="1" indent="-228600" algn="l" defTabSz="977900">
-            <a:lnSpc>
-              <a:spcPct val="90000"/>
-            </a:lnSpc>
-            <a:spcBef>
-              <a:spcPct val="0"/>
-            </a:spcBef>
-            <a:spcAft>
-              <a:spcPct val="15000"/>
-            </a:spcAft>
-            <a:buChar char="••"/>
-          </a:pPr>
-          <a:r>
-            <a:rPr lang="en-US" sz="2200" kern="1200" dirty="0" smtClean="0"/>
-            <a:t>6/1 – 2/2: </a:t>
-          </a:r>
-          <a:r>
-            <a:rPr lang="en-US" sz="2200" kern="1200" dirty="0" err="1" smtClean="0"/>
-            <a:t>Documentatie</a:t>
-          </a:r>
-          <a:r>
-            <a:rPr lang="en-US" sz="2200" kern="1200" dirty="0" smtClean="0"/>
-            <a:t> </a:t>
-          </a:r>
-          <a:r>
-            <a:rPr lang="en-US" sz="2200" kern="1200" dirty="0" err="1" smtClean="0"/>
-            <a:t>schrijven</a:t>
-          </a:r>
-          <a:endParaRPr lang="en-GB" sz="2200" kern="1200" dirty="0"/>
-        </a:p>
-      </dsp:txBody>
-      <dsp:txXfrm rot="-5400000">
-        <a:off x="1044565" y="49548"/>
-        <a:ext cx="7242461" cy="875254"/>
-      </dsp:txXfrm>
-    </dsp:sp>
-    <dsp:sp modelId="{D43A75F5-0CF1-4B36-A50F-A790EB895BC1}">
-      <dsp:nvSpPr>
-        <dsp:cNvPr id="0" name=""/>
-        <dsp:cNvSpPr/>
-      </dsp:nvSpPr>
-      <dsp:spPr>
-        <a:xfrm rot="5400000">
-          <a:off x="-223835" y="1846769"/>
-          <a:ext cx="1492234" cy="1044564"/>
-        </a:xfrm>
-        <a:prstGeom prst="chevron">
-          <a:avLst/>
-        </a:prstGeom>
-        <a:solidFill>
-          <a:schemeClr val="accent1">
-            <a:hueOff val="0"/>
-            <a:satOff val="0"/>
-            <a:lumOff val="0"/>
-            <a:alphaOff val="0"/>
-          </a:schemeClr>
-        </a:solidFill>
-        <a:ln w="25400" cap="flat" cmpd="sng" algn="ctr">
-          <a:solidFill>
-            <a:schemeClr val="accent1">
-              <a:hueOff val="0"/>
-              <a:satOff val="0"/>
-              <a:lumOff val="0"/>
-              <a:alphaOff val="0"/>
-            </a:schemeClr>
-          </a:solidFill>
-          <a:prstDash val="solid"/>
-        </a:ln>
-        <a:effectLst/>
-      </dsp:spPr>
-      <dsp:style>
-        <a:lnRef idx="2">
-          <a:scrgbClr r="0" g="0" b="0"/>
-        </a:lnRef>
-        <a:fillRef idx="1">
-          <a:scrgbClr r="0" g="0" b="0"/>
-        </a:fillRef>
-        <a:effectRef idx="0">
-          <a:scrgbClr r="0" g="0" b="0"/>
-        </a:effectRef>
-        <a:fontRef idx="minor">
-          <a:schemeClr val="lt1"/>
-        </a:fontRef>
-      </dsp:style>
-      <dsp:txBody>
-        <a:bodyPr spcFirstLastPara="0" vert="horz" wrap="square" lIns="16510" tIns="16510" rIns="16510" bIns="16510" numCol="1" spcCol="1270" anchor="ctr" anchorCtr="0">
-          <a:noAutofit/>
-        </a:bodyPr>
-        <a:lstStyle/>
-        <a:p>
-          <a:pPr lvl="0" algn="ctr" defTabSz="1155700">
-            <a:lnSpc>
-              <a:spcPct val="90000"/>
-            </a:lnSpc>
-            <a:spcBef>
-              <a:spcPct val="0"/>
-            </a:spcBef>
-            <a:spcAft>
-              <a:spcPct val="35000"/>
-            </a:spcAft>
-          </a:pPr>
-          <a:r>
-            <a:rPr lang="en-US" sz="2600" kern="1200" dirty="0" err="1" smtClean="0"/>
-            <a:t>Fase</a:t>
-          </a:r>
-          <a:r>
-            <a:rPr lang="en-US" sz="2600" kern="1200" dirty="0" smtClean="0"/>
-            <a:t> 2</a:t>
-          </a:r>
-          <a:endParaRPr lang="en-GB" sz="2600" kern="1200" dirty="0"/>
-        </a:p>
-      </dsp:txBody>
-      <dsp:txXfrm rot="-5400000">
-        <a:off x="0" y="2145216"/>
-        <a:ext cx="1044564" cy="447670"/>
-      </dsp:txXfrm>
-    </dsp:sp>
-    <dsp:sp modelId="{300C5BF5-FB9C-4AD3-967E-8E6DFB43C0FD}">
-      <dsp:nvSpPr>
-        <dsp:cNvPr id="0" name=""/>
-        <dsp:cNvSpPr/>
-      </dsp:nvSpPr>
-      <dsp:spPr>
-        <a:xfrm rot="5400000">
-          <a:off x="3895515" y="-1536994"/>
-          <a:ext cx="1587909" cy="7289810"/>
-        </a:xfrm>
-        <a:prstGeom prst="round2SameRect">
-          <a:avLst/>
-        </a:prstGeom>
-        <a:solidFill>
-          <a:schemeClr val="lt1">
-            <a:alpha val="90000"/>
-            <a:hueOff val="0"/>
-            <a:satOff val="0"/>
-            <a:lumOff val="0"/>
-            <a:alphaOff val="0"/>
-          </a:schemeClr>
-        </a:solidFill>
-        <a:ln w="25400" cap="flat" cmpd="sng" algn="ctr">
-          <a:solidFill>
-            <a:schemeClr val="accent1">
-              <a:hueOff val="0"/>
-              <a:satOff val="0"/>
-              <a:lumOff val="0"/>
-              <a:alphaOff val="0"/>
-            </a:schemeClr>
-          </a:solidFill>
-          <a:prstDash val="solid"/>
-        </a:ln>
-        <a:effectLst/>
-      </dsp:spPr>
-      <dsp:style>
-        <a:lnRef idx="2">
-          <a:scrgbClr r="0" g="0" b="0"/>
-        </a:lnRef>
-        <a:fillRef idx="1">
-          <a:scrgbClr r="0" g="0" b="0"/>
-        </a:fillRef>
-        <a:effectRef idx="0">
-          <a:scrgbClr r="0" g="0" b="0"/>
-        </a:effectRef>
-        <a:fontRef idx="minor"/>
-      </dsp:style>
-      <dsp:txBody>
-        <a:bodyPr spcFirstLastPara="0" vert="horz" wrap="square" lIns="156464" tIns="13970" rIns="13970" bIns="13970" numCol="1" spcCol="1270" anchor="ctr" anchorCtr="0">
-          <a:noAutofit/>
-        </a:bodyPr>
-        <a:lstStyle/>
-        <a:p>
-          <a:pPr marL="228600" lvl="1" indent="-228600" algn="l" defTabSz="977900">
-            <a:lnSpc>
-              <a:spcPct val="90000"/>
-            </a:lnSpc>
-            <a:spcBef>
-              <a:spcPct val="0"/>
-            </a:spcBef>
-            <a:spcAft>
-              <a:spcPct val="15000"/>
-            </a:spcAft>
-            <a:buChar char="••"/>
-          </a:pPr>
-          <a:r>
-            <a:rPr lang="en-US" sz="2200" kern="1200" dirty="0" smtClean="0"/>
-            <a:t>23/12 – 5/1: YCSB!: Basis </a:t>
-          </a:r>
-          <a:r>
-            <a:rPr lang="en-US" sz="2200" kern="1200" dirty="0" err="1" smtClean="0"/>
-            <a:t>opstelling</a:t>
-          </a:r>
-          <a:endParaRPr lang="en-GB" sz="2200" kern="1200" dirty="0"/>
-        </a:p>
-        <a:p>
-          <a:pPr marL="228600" lvl="1" indent="-228600" algn="l" defTabSz="977900">
-            <a:lnSpc>
-              <a:spcPct val="90000"/>
-            </a:lnSpc>
-            <a:spcBef>
-              <a:spcPct val="0"/>
-            </a:spcBef>
-            <a:spcAft>
-              <a:spcPct val="15000"/>
-            </a:spcAft>
-            <a:buChar char="••"/>
-          </a:pPr>
-          <a:r>
-            <a:rPr lang="en-US" sz="2200" kern="1200" dirty="0" smtClean="0"/>
-            <a:t>6/1 – 2/2: YCSB! </a:t>
-          </a:r>
-          <a:r>
-            <a:rPr lang="en-US" sz="2200" kern="1200" dirty="0" err="1" smtClean="0"/>
-            <a:t>Huidige</a:t>
-          </a:r>
-          <a:r>
-            <a:rPr lang="en-US" sz="2200" kern="1200" dirty="0" smtClean="0"/>
-            <a:t> </a:t>
-          </a:r>
-          <a:r>
-            <a:rPr lang="en-US" sz="2200" kern="1200" dirty="0" err="1" smtClean="0"/>
-            <a:t>implementatie</a:t>
-          </a:r>
-          <a:r>
-            <a:rPr lang="en-US" sz="2200" kern="1200" dirty="0" smtClean="0"/>
-            <a:t> </a:t>
-          </a:r>
-          <a:r>
-            <a:rPr lang="en-US" sz="2200" kern="1200" dirty="0" err="1" smtClean="0"/>
-            <a:t>begrijpen</a:t>
-          </a:r>
-          <a:endParaRPr lang="en-GB" sz="2200" kern="1200" dirty="0"/>
-        </a:p>
-        <a:p>
-          <a:pPr marL="228600" lvl="1" indent="-228600" algn="l" defTabSz="977900">
-            <a:lnSpc>
-              <a:spcPct val="90000"/>
-            </a:lnSpc>
-            <a:spcBef>
-              <a:spcPct val="0"/>
-            </a:spcBef>
-            <a:spcAft>
-              <a:spcPct val="15000"/>
-            </a:spcAft>
-            <a:buChar char="••"/>
-          </a:pPr>
-          <a:r>
-            <a:rPr lang="en-US" sz="2200" kern="1200" dirty="0" smtClean="0"/>
-            <a:t>3/2 – 2/3: YCSB! </a:t>
-          </a:r>
-          <a:r>
-            <a:rPr lang="en-US" sz="2200" kern="1200" dirty="0" err="1" smtClean="0"/>
-            <a:t>Nieuwe</a:t>
-          </a:r>
-          <a:r>
-            <a:rPr lang="en-US" sz="2200" kern="1200" dirty="0" smtClean="0"/>
-            <a:t> </a:t>
-          </a:r>
-          <a:r>
-            <a:rPr lang="en-US" sz="2200" kern="1200" dirty="0" err="1" smtClean="0"/>
-            <a:t>testen</a:t>
-          </a:r>
-          <a:r>
-            <a:rPr lang="en-US" sz="2200" kern="1200" dirty="0" smtClean="0"/>
-            <a:t> </a:t>
-          </a:r>
-          <a:r>
-            <a:rPr lang="en-US" sz="2200" kern="1200" dirty="0" err="1" smtClean="0"/>
-            <a:t>uitschrijven</a:t>
-          </a:r>
-          <a:endParaRPr lang="en-GB" sz="2200" kern="1200" dirty="0"/>
-        </a:p>
-        <a:p>
-          <a:pPr marL="228600" lvl="1" indent="-228600" algn="l" defTabSz="977900">
-            <a:lnSpc>
-              <a:spcPct val="90000"/>
-            </a:lnSpc>
-            <a:spcBef>
-              <a:spcPct val="0"/>
-            </a:spcBef>
-            <a:spcAft>
-              <a:spcPct val="15000"/>
-            </a:spcAft>
-            <a:buChar char="••"/>
-          </a:pPr>
-          <a:r>
-            <a:rPr lang="en-US" sz="2200" kern="1200" dirty="0" smtClean="0"/>
-            <a:t>3/3-30/3: </a:t>
-          </a:r>
-          <a:r>
-            <a:rPr lang="en-US" sz="2200" kern="1200" dirty="0" err="1" smtClean="0"/>
-            <a:t>Verzamelen</a:t>
-          </a:r>
-          <a:r>
-            <a:rPr lang="en-US" sz="2200" kern="1200" dirty="0" smtClean="0"/>
-            <a:t> </a:t>
-          </a:r>
-          <a:r>
-            <a:rPr lang="en-US" sz="2200" kern="1200" dirty="0" err="1" smtClean="0"/>
-            <a:t>testresultaten</a:t>
-          </a:r>
-          <a:endParaRPr lang="en-GB" sz="2200" kern="1200" dirty="0"/>
-        </a:p>
-      </dsp:txBody>
-      <dsp:txXfrm rot="-5400000">
-        <a:off x="1044565" y="1391471"/>
-        <a:ext cx="7212295" cy="1432879"/>
-      </dsp:txXfrm>
-    </dsp:sp>
-    <dsp:sp modelId="{A547222E-0001-408B-ABED-448634128404}">
-      <dsp:nvSpPr>
-        <dsp:cNvPr id="0" name=""/>
-        <dsp:cNvSpPr/>
-      </dsp:nvSpPr>
-      <dsp:spPr>
-        <a:xfrm rot="5400000">
-          <a:off x="-223835" y="3160725"/>
-          <a:ext cx="1492234" cy="1044564"/>
-        </a:xfrm>
-        <a:prstGeom prst="chevron">
-          <a:avLst/>
-        </a:prstGeom>
-        <a:solidFill>
-          <a:schemeClr val="accent1">
-            <a:hueOff val="0"/>
-            <a:satOff val="0"/>
-            <a:lumOff val="0"/>
-            <a:alphaOff val="0"/>
-          </a:schemeClr>
-        </a:solidFill>
-        <a:ln w="25400" cap="flat" cmpd="sng" algn="ctr">
-          <a:solidFill>
-            <a:schemeClr val="accent1">
-              <a:hueOff val="0"/>
-              <a:satOff val="0"/>
-              <a:lumOff val="0"/>
-              <a:alphaOff val="0"/>
-            </a:schemeClr>
-          </a:solidFill>
-          <a:prstDash val="solid"/>
-        </a:ln>
-        <a:effectLst/>
-      </dsp:spPr>
-      <dsp:style>
-        <a:lnRef idx="2">
-          <a:scrgbClr r="0" g="0" b="0"/>
-        </a:lnRef>
-        <a:fillRef idx="1">
-          <a:scrgbClr r="0" g="0" b="0"/>
-        </a:fillRef>
-        <a:effectRef idx="0">
-          <a:scrgbClr r="0" g="0" b="0"/>
-        </a:effectRef>
-        <a:fontRef idx="minor">
-          <a:schemeClr val="lt1"/>
-        </a:fontRef>
-      </dsp:style>
-      <dsp:txBody>
-        <a:bodyPr spcFirstLastPara="0" vert="horz" wrap="square" lIns="16510" tIns="16510" rIns="16510" bIns="16510" numCol="1" spcCol="1270" anchor="ctr" anchorCtr="0">
-          <a:noAutofit/>
-        </a:bodyPr>
-        <a:lstStyle/>
-        <a:p>
-          <a:pPr lvl="0" algn="ctr" defTabSz="1155700">
-            <a:lnSpc>
-              <a:spcPct val="90000"/>
-            </a:lnSpc>
-            <a:spcBef>
-              <a:spcPct val="0"/>
-            </a:spcBef>
-            <a:spcAft>
-              <a:spcPct val="35000"/>
-            </a:spcAft>
-          </a:pPr>
-          <a:r>
-            <a:rPr lang="en-US" sz="2600" kern="1200" dirty="0" err="1" smtClean="0"/>
-            <a:t>Fase</a:t>
-          </a:r>
-          <a:r>
-            <a:rPr lang="en-US" sz="2600" kern="1200" dirty="0" smtClean="0"/>
-            <a:t> 3</a:t>
-          </a:r>
-          <a:endParaRPr lang="en-GB" sz="2600" kern="1200" dirty="0"/>
-        </a:p>
-      </dsp:txBody>
-      <dsp:txXfrm rot="-5400000">
-        <a:off x="0" y="3459172"/>
-        <a:ext cx="1044564" cy="447670"/>
-      </dsp:txXfrm>
-    </dsp:sp>
-    <dsp:sp modelId="{DDDE511E-44A8-41B8-BC4B-12D2BC79FE81}">
-      <dsp:nvSpPr>
-        <dsp:cNvPr id="0" name=""/>
-        <dsp:cNvSpPr/>
-      </dsp:nvSpPr>
-      <dsp:spPr>
-        <a:xfrm rot="5400000">
-          <a:off x="4204493" y="-180"/>
-          <a:ext cx="969952" cy="7289810"/>
-        </a:xfrm>
-        <a:prstGeom prst="round2SameRect">
-          <a:avLst/>
-        </a:prstGeom>
-        <a:solidFill>
-          <a:schemeClr val="lt1">
-            <a:alpha val="90000"/>
-            <a:hueOff val="0"/>
-            <a:satOff val="0"/>
-            <a:lumOff val="0"/>
-            <a:alphaOff val="0"/>
-          </a:schemeClr>
-        </a:solidFill>
-        <a:ln w="25400" cap="flat" cmpd="sng" algn="ctr">
-          <a:solidFill>
-            <a:schemeClr val="accent1">
-              <a:hueOff val="0"/>
-              <a:satOff val="0"/>
-              <a:lumOff val="0"/>
-              <a:alphaOff val="0"/>
-            </a:schemeClr>
-          </a:solidFill>
-          <a:prstDash val="solid"/>
-        </a:ln>
-        <a:effectLst/>
-      </dsp:spPr>
-      <dsp:style>
-        <a:lnRef idx="2">
-          <a:scrgbClr r="0" g="0" b="0"/>
-        </a:lnRef>
-        <a:fillRef idx="1">
-          <a:scrgbClr r="0" g="0" b="0"/>
-        </a:fillRef>
-        <a:effectRef idx="0">
-          <a:scrgbClr r="0" g="0" b="0"/>
-        </a:effectRef>
-        <a:fontRef idx="minor"/>
-      </dsp:style>
-      <dsp:txBody>
-        <a:bodyPr spcFirstLastPara="0" vert="horz" wrap="square" lIns="156464" tIns="13970" rIns="13970" bIns="13970" numCol="1" spcCol="1270" anchor="ctr" anchorCtr="0">
-          <a:noAutofit/>
-        </a:bodyPr>
-        <a:lstStyle/>
-        <a:p>
-          <a:pPr marL="228600" lvl="1" indent="-228600" algn="l" defTabSz="977900">
-            <a:lnSpc>
-              <a:spcPct val="90000"/>
-            </a:lnSpc>
-            <a:spcBef>
-              <a:spcPct val="0"/>
-            </a:spcBef>
-            <a:spcAft>
-              <a:spcPct val="15000"/>
-            </a:spcAft>
-            <a:buChar char="••"/>
-          </a:pPr>
-          <a:r>
-            <a:rPr lang="en-US" sz="2200" kern="1200" dirty="0" smtClean="0"/>
-            <a:t>3/3-30/3: </a:t>
-          </a:r>
-          <a:r>
-            <a:rPr lang="en-US" sz="2200" kern="1200" dirty="0" err="1" smtClean="0"/>
-            <a:t>Schrijven</a:t>
-          </a:r>
-          <a:r>
-            <a:rPr lang="en-US" sz="2200" kern="1200" dirty="0" smtClean="0"/>
-            <a:t> paper &amp; </a:t>
-          </a:r>
-          <a:r>
-            <a:rPr lang="en-US" sz="2200" kern="1200" dirty="0" err="1" smtClean="0"/>
-            <a:t>presentatie</a:t>
-          </a:r>
-          <a:endParaRPr lang="en-GB" sz="2200" kern="1200" dirty="0"/>
-        </a:p>
-        <a:p>
-          <a:pPr marL="228600" lvl="1" indent="-228600" algn="l" defTabSz="977900">
-            <a:lnSpc>
-              <a:spcPct val="90000"/>
-            </a:lnSpc>
-            <a:spcBef>
-              <a:spcPct val="0"/>
-            </a:spcBef>
-            <a:spcAft>
-              <a:spcPct val="15000"/>
-            </a:spcAft>
-            <a:buChar char="••"/>
-          </a:pPr>
-          <a:r>
-            <a:rPr lang="en-US" sz="2200" kern="1200" dirty="0" smtClean="0"/>
-            <a:t>31/3-8/6: </a:t>
-          </a:r>
-          <a:r>
-            <a:rPr lang="en-US" sz="2200" kern="1200" dirty="0" err="1" smtClean="0"/>
-            <a:t>Schrijven</a:t>
-          </a:r>
-          <a:r>
-            <a:rPr lang="en-US" sz="2200" kern="1200" dirty="0" smtClean="0"/>
-            <a:t> thesis</a:t>
-          </a:r>
-          <a:endParaRPr lang="en-GB" sz="2200" kern="1200" dirty="0"/>
-        </a:p>
-      </dsp:txBody>
-      <dsp:txXfrm rot="-5400000">
-        <a:off x="1044565" y="3207098"/>
-        <a:ext cx="7242461" cy="875254"/>
-      </dsp:txXfrm>
-    </dsp:sp>
   </dsp:spTree>
 </dsp:drawing>
 </file>
@@ -6400,7 +5735,7 @@
                 <a:cs typeface="Arial" pitchFamily="34" charset="0"/>
               </a:rPr>
               <a:pPr/>
-              <a:t>18/12/2013</a:t>
+              <a:t>8/01/2014</a:t>
             </a:fld>
             <a:endParaRPr lang="nl-BE" sz="1000">
               <a:latin typeface="Arial" pitchFamily="34" charset="0"/>
@@ -6579,7 +5914,7 @@
             <a:fld id="{7AF0A2F9-EF49-41B3-9E69-7CDBDC14786A}" type="datetimeFigureOut">
               <a:rPr lang="nl-BE" smtClean="0"/>
               <a:pPr/>
-              <a:t>18/12/2013</a:t>
+              <a:t>8/01/2014</a:t>
             </a:fld>
             <a:endParaRPr lang="nl-BE"/>
           </a:p>
@@ -7099,11 +6434,7 @@
             </a:r>
             <a:r>
               <a:rPr lang="nl-BE" baseline="0" dirty="0" smtClean="0"/>
-              <a:t> bestanden maar via shell </a:t>
-            </a:r>
-            <a:r>
-              <a:rPr lang="nl-BE" baseline="0" dirty="0" smtClean="0"/>
-              <a:t>configuratie</a:t>
+              <a:t> bestanden maar via shell configuratie</a:t>
             </a:r>
           </a:p>
           <a:p>
@@ -7879,7 +7210,7 @@
             <a:fld id="{C4DDCD72-59EE-436D-B435-201699A5BB49}" type="datetimeFigureOut">
               <a:rPr lang="nl-BE" smtClean="0"/>
               <a:pPr/>
-              <a:t>18/12/2013</a:t>
+              <a:t>8/01/2014</a:t>
             </a:fld>
             <a:endParaRPr lang="nl-BE" dirty="0"/>
           </a:p>
@@ -8658,7 +7989,7 @@
             <a:fld id="{C4DDCD72-59EE-436D-B435-201699A5BB49}" type="datetimeFigureOut">
               <a:rPr lang="nl-BE" smtClean="0"/>
               <a:pPr/>
-              <a:t>18/12/2013</a:t>
+              <a:t>8/01/2014</a:t>
             </a:fld>
             <a:endParaRPr lang="nl-BE"/>
           </a:p>
@@ -9108,7 +8439,7 @@
             <a:fld id="{C4DDCD72-59EE-436D-B435-201699A5BB49}" type="datetimeFigureOut">
               <a:rPr lang="nl-BE" smtClean="0"/>
               <a:pPr/>
-              <a:t>18/12/2013</a:t>
+              <a:t>8/01/2014</a:t>
             </a:fld>
             <a:endParaRPr lang="nl-BE"/>
           </a:p>
@@ -9239,7 +8570,7 @@
             <a:fld id="{C4DDCD72-59EE-436D-B435-201699A5BB49}" type="datetimeFigureOut">
               <a:rPr lang="nl-BE" smtClean="0"/>
               <a:pPr/>
-              <a:t>18/12/2013</a:t>
+              <a:t>8/01/2014</a:t>
             </a:fld>
             <a:endParaRPr lang="nl-BE"/>
           </a:p>
@@ -9343,7 +8674,7 @@
             <a:fld id="{C4DDCD72-59EE-436D-B435-201699A5BB49}" type="datetimeFigureOut">
               <a:rPr lang="nl-BE" smtClean="0"/>
               <a:pPr/>
-              <a:t>18/12/2013</a:t>
+              <a:t>8/01/2014</a:t>
             </a:fld>
             <a:endParaRPr lang="nl-BE"/>
           </a:p>
@@ -9636,7 +8967,7 @@
             <a:fld id="{C4DDCD72-59EE-436D-B435-201699A5BB49}" type="datetimeFigureOut">
               <a:rPr lang="nl-BE" smtClean="0"/>
               <a:pPr/>
-              <a:t>18/12/2013</a:t>
+              <a:t>8/01/2014</a:t>
             </a:fld>
             <a:endParaRPr lang="nl-BE"/>
           </a:p>
@@ -9909,7 +9240,7 @@
             <a:fld id="{C4DDCD72-59EE-436D-B435-201699A5BB49}" type="datetimeFigureOut">
               <a:rPr lang="nl-BE" smtClean="0"/>
               <a:pPr/>
-              <a:t>18/12/2013</a:t>
+              <a:t>8/01/2014</a:t>
             </a:fld>
             <a:endParaRPr lang="nl-BE" dirty="0"/>
           </a:p>
@@ -10152,7 +9483,7 @@
             <a:fld id="{C4DDCD72-59EE-436D-B435-201699A5BB49}" type="datetimeFigureOut">
               <a:rPr lang="nl-BE" smtClean="0"/>
               <a:pPr/>
-              <a:t>18/12/2013</a:t>
+              <a:t>8/01/2014</a:t>
             </a:fld>
             <a:endParaRPr lang="nl-BE" dirty="0"/>
           </a:p>
@@ -10735,20 +10066,24 @@
           <a:p>
             <a:r>
               <a:rPr lang="nl-BE" dirty="0" smtClean="0"/>
-              <a:t>Door: Thomas </a:t>
-            </a:r>
+              <a:t>Door: Thomas Uyttendaele</a:t>
+            </a:r>
+          </a:p>
+          <a:p>
+            <a:endParaRPr lang="nl-BE" dirty="0" smtClean="0"/>
+          </a:p>
+          <a:p>
             <a:r>
               <a:rPr lang="nl-BE" dirty="0" smtClean="0"/>
-              <a:t>Uyttendaele</a:t>
-            </a:r>
-          </a:p>
-          <a:p>
-            <a:endParaRPr lang="nl-BE" dirty="0" smtClean="0"/>
-          </a:p>
-          <a:p>
+              <a:t>Begeleiders: B. </a:t>
+            </a:r>
+            <a:r>
+              <a:rPr lang="nl-BE" dirty="0" err="1" smtClean="0"/>
+              <a:t>Vanbrabant</a:t>
+            </a:r>
             <a:r>
               <a:rPr lang="nl-BE" dirty="0" smtClean="0"/>
-              <a:t>Begeleiders: B. Van Brabant, B. </a:t>
+              <a:t>, B. </a:t>
             </a:r>
             <a:r>
               <a:rPr lang="nl-BE" dirty="0" err="1" smtClean="0"/>
